--- a/NodeJs/Clase #00/Clase 0 - Presentación 24138.pptx
+++ b/NodeJs/Clase #00/Clase 0 - Presentación 24138.pptx
@@ -19471,65 +19471,114 @@
               <a:rPr lang="es"/>
               <a:t> </a:t>
             </a:r>
-            <a:endParaRPr/>
-          </a:p>
-          <a:p>
-            <a:pPr indent="0" lvl="0" marL="0" rtl="0" algn="l">
-              <a:lnSpc>
-                <a:spcPct val="115000"/>
-              </a:lnSpc>
-              <a:spcBef>
-                <a:spcPts val="1200"/>
-              </a:spcBef>
-              <a:spcAft>
-                <a:spcPts val="0"/>
-              </a:spcAft>
-              <a:buNone/>
-            </a:pPr>
-            <a:r>
-              <a:t/>
-            </a:r>
-            <a:endParaRPr/>
-          </a:p>
-          <a:p>
-            <a:pPr indent="0" lvl="0" marL="0" rtl="0" algn="l">
-              <a:lnSpc>
-                <a:spcPct val="115000"/>
-              </a:lnSpc>
-              <a:spcBef>
-                <a:spcPts val="1200"/>
-              </a:spcBef>
-              <a:spcAft>
-                <a:spcPts val="0"/>
-              </a:spcAft>
-              <a:buNone/>
-            </a:pPr>
-            <a:r>
+            <a:br>
               <a:rPr lang="es"/>
-              <a:t>Estadísticas</a:t>
-            </a:r>
-            <a:endParaRPr/>
-          </a:p>
-          <a:p>
-            <a:pPr indent="-342900" lvl="0" marL="457200" rtl="0" algn="l">
-              <a:lnSpc>
-                <a:spcPct val="115000"/>
-              </a:lnSpc>
-              <a:spcBef>
-                <a:spcPts val="1200"/>
-              </a:spcBef>
-              <a:spcAft>
-                <a:spcPts val="0"/>
-              </a:spcAft>
-              <a:buSzPts val="1800"/>
-              <a:buChar char="●"/>
-            </a:pPr>
+            </a:br>
+            <a:r>
+              <a:rPr lang="es"/>
+              <a:t>	Excel </a:t>
+            </a:r>
             <a:r>
               <a:rPr lang="es" u="sng">
                 <a:solidFill>
                   <a:schemeClr val="hlink"/>
                 </a:solidFill>
                 <a:hlinkClick r:id="rId4"/>
+              </a:rPr>
+              <a:t>Dataset</a:t>
+            </a:r>
+            <a:r>
+              <a:rPr lang="es"/>
+              <a:t> </a:t>
+            </a:r>
+            <a:endParaRPr/>
+          </a:p>
+          <a:p>
+            <a:pPr indent="-342900" lvl="0" marL="457200" rtl="0" algn="l">
+              <a:lnSpc>
+                <a:spcPct val="115000"/>
+              </a:lnSpc>
+              <a:spcBef>
+                <a:spcPts val="0"/>
+              </a:spcBef>
+              <a:spcAft>
+                <a:spcPts val="0"/>
+              </a:spcAft>
+              <a:buSzPts val="1800"/>
+              <a:buChar char="●"/>
+            </a:pPr>
+            <a:r>
+              <a:rPr lang="es" u="sng">
+                <a:solidFill>
+                  <a:schemeClr val="hlink"/>
+                </a:solidFill>
+                <a:hlinkClick r:id="rId5"/>
+              </a:rPr>
+              <a:t>https://www.cuantogano.com/sueldos/it-programacion.html</a:t>
+            </a:r>
+            <a:r>
+              <a:rPr lang="es"/>
+              <a:t> </a:t>
+            </a:r>
+            <a:endParaRPr/>
+          </a:p>
+          <a:p>
+            <a:pPr indent="0" lvl="0" marL="0" rtl="0" algn="l">
+              <a:lnSpc>
+                <a:spcPct val="115000"/>
+              </a:lnSpc>
+              <a:spcBef>
+                <a:spcPts val="1200"/>
+              </a:spcBef>
+              <a:spcAft>
+                <a:spcPts val="0"/>
+              </a:spcAft>
+              <a:buNone/>
+            </a:pPr>
+            <a:r>
+              <a:t/>
+            </a:r>
+            <a:endParaRPr/>
+          </a:p>
+          <a:p>
+            <a:pPr indent="0" lvl="0" marL="0" rtl="0" algn="l">
+              <a:lnSpc>
+                <a:spcPct val="115000"/>
+              </a:lnSpc>
+              <a:spcBef>
+                <a:spcPts val="1200"/>
+              </a:spcBef>
+              <a:spcAft>
+                <a:spcPts val="0"/>
+              </a:spcAft>
+              <a:buNone/>
+            </a:pPr>
+            <a:r>
+              <a:rPr lang="es"/>
+              <a:t>Estadísticas</a:t>
+            </a:r>
+            <a:endParaRPr/>
+          </a:p>
+          <a:p>
+            <a:pPr indent="-342900" lvl="0" marL="457200" rtl="0" algn="l">
+              <a:lnSpc>
+                <a:spcPct val="115000"/>
+              </a:lnSpc>
+              <a:spcBef>
+                <a:spcPts val="1200"/>
+              </a:spcBef>
+              <a:spcAft>
+                <a:spcPts val="0"/>
+              </a:spcAft>
+              <a:buSzPts val="1800"/>
+              <a:buChar char="●"/>
+            </a:pPr>
+            <a:r>
+              <a:rPr lang="es" u="sng">
+                <a:solidFill>
+                  <a:schemeClr val="hlink"/>
+                </a:solidFill>
+                <a:hlinkClick r:id="rId6"/>
               </a:rPr>
               <a:t>https://youtu.be/BhEuYUcdM4c?si=2W-QxIWjla9FnAht&amp;t=673</a:t>
             </a:r>
